--- a/plots/final_plots/Figure_4.pptx
+++ b/plots/final_plots/Figure_4.pptx
@@ -243,7 +243,7 @@
           <a:p>
             <a:fld id="{9F950D6D-D638-944C-997A-9DAC4E6CC4FC}" type="datetimeFigureOut">
               <a:rPr lang="en-FI" smtClean="0"/>
-              <a:t>4.2.2022</a:t>
+              <a:t>25.2.2022</a:t>
             </a:fld>
             <a:endParaRPr lang="en-FI"/>
           </a:p>
@@ -413,7 +413,7 @@
           <a:p>
             <a:fld id="{9F950D6D-D638-944C-997A-9DAC4E6CC4FC}" type="datetimeFigureOut">
               <a:rPr lang="en-FI" smtClean="0"/>
-              <a:t>4.2.2022</a:t>
+              <a:t>25.2.2022</a:t>
             </a:fld>
             <a:endParaRPr lang="en-FI"/>
           </a:p>
@@ -593,7 +593,7 @@
           <a:p>
             <a:fld id="{9F950D6D-D638-944C-997A-9DAC4E6CC4FC}" type="datetimeFigureOut">
               <a:rPr lang="en-FI" smtClean="0"/>
-              <a:t>4.2.2022</a:t>
+              <a:t>25.2.2022</a:t>
             </a:fld>
             <a:endParaRPr lang="en-FI"/>
           </a:p>
@@ -763,7 +763,7 @@
           <a:p>
             <a:fld id="{9F950D6D-D638-944C-997A-9DAC4E6CC4FC}" type="datetimeFigureOut">
               <a:rPr lang="en-FI" smtClean="0"/>
-              <a:t>4.2.2022</a:t>
+              <a:t>25.2.2022</a:t>
             </a:fld>
             <a:endParaRPr lang="en-FI"/>
           </a:p>
@@ -1007,7 +1007,7 @@
           <a:p>
             <a:fld id="{9F950D6D-D638-944C-997A-9DAC4E6CC4FC}" type="datetimeFigureOut">
               <a:rPr lang="en-FI" smtClean="0"/>
-              <a:t>4.2.2022</a:t>
+              <a:t>25.2.2022</a:t>
             </a:fld>
             <a:endParaRPr lang="en-FI"/>
           </a:p>
@@ -1239,7 +1239,7 @@
           <a:p>
             <a:fld id="{9F950D6D-D638-944C-997A-9DAC4E6CC4FC}" type="datetimeFigureOut">
               <a:rPr lang="en-FI" smtClean="0"/>
-              <a:t>4.2.2022</a:t>
+              <a:t>25.2.2022</a:t>
             </a:fld>
             <a:endParaRPr lang="en-FI"/>
           </a:p>
@@ -1606,7 +1606,7 @@
           <a:p>
             <a:fld id="{9F950D6D-D638-944C-997A-9DAC4E6CC4FC}" type="datetimeFigureOut">
               <a:rPr lang="en-FI" smtClean="0"/>
-              <a:t>4.2.2022</a:t>
+              <a:t>25.2.2022</a:t>
             </a:fld>
             <a:endParaRPr lang="en-FI"/>
           </a:p>
@@ -1724,7 +1724,7 @@
           <a:p>
             <a:fld id="{9F950D6D-D638-944C-997A-9DAC4E6CC4FC}" type="datetimeFigureOut">
               <a:rPr lang="en-FI" smtClean="0"/>
-              <a:t>4.2.2022</a:t>
+              <a:t>25.2.2022</a:t>
             </a:fld>
             <a:endParaRPr lang="en-FI"/>
           </a:p>
@@ -1819,7 +1819,7 @@
           <a:p>
             <a:fld id="{9F950D6D-D638-944C-997A-9DAC4E6CC4FC}" type="datetimeFigureOut">
               <a:rPr lang="en-FI" smtClean="0"/>
-              <a:t>4.2.2022</a:t>
+              <a:t>25.2.2022</a:t>
             </a:fld>
             <a:endParaRPr lang="en-FI"/>
           </a:p>
@@ -2096,7 +2096,7 @@
           <a:p>
             <a:fld id="{9F950D6D-D638-944C-997A-9DAC4E6CC4FC}" type="datetimeFigureOut">
               <a:rPr lang="en-FI" smtClean="0"/>
-              <a:t>4.2.2022</a:t>
+              <a:t>25.2.2022</a:t>
             </a:fld>
             <a:endParaRPr lang="en-FI"/>
           </a:p>
@@ -2353,7 +2353,7 @@
           <a:p>
             <a:fld id="{9F950D6D-D638-944C-997A-9DAC4E6CC4FC}" type="datetimeFigureOut">
               <a:rPr lang="en-FI" smtClean="0"/>
-              <a:t>4.2.2022</a:t>
+              <a:t>25.2.2022</a:t>
             </a:fld>
             <a:endParaRPr lang="en-FI"/>
           </a:p>
@@ -2566,7 +2566,7 @@
           <a:p>
             <a:fld id="{9F950D6D-D638-944C-997A-9DAC4E6CC4FC}" type="datetimeFigureOut">
               <a:rPr lang="en-FI" smtClean="0"/>
-              <a:t>4.2.2022</a:t>
+              <a:t>25.2.2022</a:t>
             </a:fld>
             <a:endParaRPr lang="en-FI"/>
           </a:p>
@@ -2973,10 +2973,10 @@
       </p:grpSpPr>
       <p:pic>
         <p:nvPicPr>
-          <p:cNvPr id="5" name="Picture 4">
+          <p:cNvPr id="3" name="Picture 2">
             <a:extLst>
               <a:ext uri="{FF2B5EF4-FFF2-40B4-BE49-F238E27FC236}">
-                <a16:creationId xmlns:a16="http://schemas.microsoft.com/office/drawing/2014/main" id="{9F5F7BC6-5326-814C-AAF3-DE08AD8369FC}"/>
+                <a16:creationId xmlns:a16="http://schemas.microsoft.com/office/drawing/2014/main" id="{6F9754C1-DD6B-2F48-8296-D3D37B34E458}"/>
               </a:ext>
             </a:extLst>
           </p:cNvPr>
@@ -2993,8 +2993,8 @@
         </p:blipFill>
         <p:spPr>
           <a:xfrm>
-            <a:off x="306388" y="0"/>
-            <a:ext cx="5963783" cy="3975855"/>
+            <a:off x="2904088" y="75418"/>
+            <a:ext cx="3919248" cy="3919248"/>
           </a:xfrm>
           <a:prstGeom prst="rect">
             <a:avLst/>
@@ -3003,10 +3003,10 @@
       </p:pic>
       <p:pic>
         <p:nvPicPr>
-          <p:cNvPr id="7" name="Picture 6">
+          <p:cNvPr id="6" name="Picture 5">
             <a:extLst>
               <a:ext uri="{FF2B5EF4-FFF2-40B4-BE49-F238E27FC236}">
-                <a16:creationId xmlns:a16="http://schemas.microsoft.com/office/drawing/2014/main" id="{12476374-9DE5-3948-989F-E732F8A42705}"/>
+                <a16:creationId xmlns:a16="http://schemas.microsoft.com/office/drawing/2014/main" id="{122F1099-C3B6-D44F-B1E7-B52452CF4214}"/>
               </a:ext>
             </a:extLst>
           </p:cNvPr>
@@ -3023,8 +3023,8 @@
         </p:blipFill>
         <p:spPr>
           <a:xfrm>
-            <a:off x="306387" y="3810000"/>
-            <a:ext cx="5963783" cy="3975855"/>
+            <a:off x="2904088" y="3866607"/>
+            <a:ext cx="3919248" cy="3919248"/>
           </a:xfrm>
           <a:prstGeom prst="rect">
             <a:avLst/>
@@ -3033,10 +3033,10 @@
       </p:pic>
       <p:pic>
         <p:nvPicPr>
-          <p:cNvPr id="9" name="Picture 8">
+          <p:cNvPr id="13" name="Picture 12">
             <a:extLst>
               <a:ext uri="{FF2B5EF4-FFF2-40B4-BE49-F238E27FC236}">
-                <a16:creationId xmlns:a16="http://schemas.microsoft.com/office/drawing/2014/main" id="{57F31375-2E50-8C48-96AB-0D9EB3073245}"/>
+                <a16:creationId xmlns:a16="http://schemas.microsoft.com/office/drawing/2014/main" id="{E3FC1BA8-57EE-EF4F-BF64-0B72A4B636C9}"/>
               </a:ext>
             </a:extLst>
           </p:cNvPr>
@@ -3053,8 +3053,8 @@
         </p:blipFill>
         <p:spPr>
           <a:xfrm>
-            <a:off x="306386" y="7619999"/>
-            <a:ext cx="5963784" cy="3975856"/>
+            <a:off x="2904088" y="7657796"/>
+            <a:ext cx="3919248" cy="3919248"/>
           </a:xfrm>
           <a:prstGeom prst="rect">
             <a:avLst/>
@@ -3075,7 +3075,7 @@
         </p:nvSpPr>
         <p:spPr>
           <a:xfrm>
-            <a:off x="149933" y="165856"/>
+            <a:off x="2635890" y="203477"/>
             <a:ext cx="312906" cy="369332"/>
           </a:xfrm>
           <a:prstGeom prst="rect">
@@ -3115,7 +3115,7 @@
         </p:nvSpPr>
         <p:spPr>
           <a:xfrm>
-            <a:off x="143521" y="3994666"/>
+            <a:off x="2623066" y="4051273"/>
             <a:ext cx="325730" cy="369332"/>
           </a:xfrm>
           <a:prstGeom prst="rect">
@@ -3155,7 +3155,7 @@
         </p:nvSpPr>
         <p:spPr>
           <a:xfrm>
-            <a:off x="143521" y="7785855"/>
+            <a:off x="2635890" y="7790603"/>
             <a:ext cx="312906" cy="369332"/>
           </a:xfrm>
           <a:prstGeom prst="rect">
